--- a/react-app/doc/card-images.pptx
+++ b/react-app/doc/card-images.pptx
@@ -107,7 +107,7 @@
   <p:extLst>
     <p:ext uri="{EFAFB233-063F-42B5-8137-9DF3F51BA10A}">
       <p15:sldGuideLst xmlns:p15="http://schemas.microsoft.com/office/powerpoint/2012/main">
-        <p15:guide id="1" orient="horz" pos="2001" userDrawn="1">
+        <p15:guide id="1" orient="horz" pos="1661" userDrawn="1">
           <p15:clr>
             <a:srgbClr val="A4A3A4"/>
           </p15:clr>
@@ -272,7 +272,7 @@
           <a:p>
             <a:fld id="{EC6E5FE0-F1B3-B24D-9F52-EFD498592B38}" type="datetimeFigureOut">
               <a:rPr lang="en-CH" smtClean="0"/>
-              <a:t>07.03.22</a:t>
+              <a:t>12.03.22</a:t>
             </a:fld>
             <a:endParaRPr lang="en-CH"/>
           </a:p>
@@ -472,7 +472,7 @@
           <a:p>
             <a:fld id="{EC6E5FE0-F1B3-B24D-9F52-EFD498592B38}" type="datetimeFigureOut">
               <a:rPr lang="en-CH" smtClean="0"/>
-              <a:t>07.03.22</a:t>
+              <a:t>12.03.22</a:t>
             </a:fld>
             <a:endParaRPr lang="en-CH"/>
           </a:p>
@@ -682,7 +682,7 @@
           <a:p>
             <a:fld id="{EC6E5FE0-F1B3-B24D-9F52-EFD498592B38}" type="datetimeFigureOut">
               <a:rPr lang="en-CH" smtClean="0"/>
-              <a:t>07.03.22</a:t>
+              <a:t>12.03.22</a:t>
             </a:fld>
             <a:endParaRPr lang="en-CH"/>
           </a:p>
@@ -882,7 +882,7 @@
           <a:p>
             <a:fld id="{EC6E5FE0-F1B3-B24D-9F52-EFD498592B38}" type="datetimeFigureOut">
               <a:rPr lang="en-CH" smtClean="0"/>
-              <a:t>07.03.22</a:t>
+              <a:t>12.03.22</a:t>
             </a:fld>
             <a:endParaRPr lang="en-CH"/>
           </a:p>
@@ -1158,7 +1158,7 @@
           <a:p>
             <a:fld id="{EC6E5FE0-F1B3-B24D-9F52-EFD498592B38}" type="datetimeFigureOut">
               <a:rPr lang="en-CH" smtClean="0"/>
-              <a:t>07.03.22</a:t>
+              <a:t>12.03.22</a:t>
             </a:fld>
             <a:endParaRPr lang="en-CH"/>
           </a:p>
@@ -1426,7 +1426,7 @@
           <a:p>
             <a:fld id="{EC6E5FE0-F1B3-B24D-9F52-EFD498592B38}" type="datetimeFigureOut">
               <a:rPr lang="en-CH" smtClean="0"/>
-              <a:t>07.03.22</a:t>
+              <a:t>12.03.22</a:t>
             </a:fld>
             <a:endParaRPr lang="en-CH"/>
           </a:p>
@@ -1841,7 +1841,7 @@
           <a:p>
             <a:fld id="{EC6E5FE0-F1B3-B24D-9F52-EFD498592B38}" type="datetimeFigureOut">
               <a:rPr lang="en-CH" smtClean="0"/>
-              <a:t>07.03.22</a:t>
+              <a:t>12.03.22</a:t>
             </a:fld>
             <a:endParaRPr lang="en-CH"/>
           </a:p>
@@ -1983,7 +1983,7 @@
           <a:p>
             <a:fld id="{EC6E5FE0-F1B3-B24D-9F52-EFD498592B38}" type="datetimeFigureOut">
               <a:rPr lang="en-CH" smtClean="0"/>
-              <a:t>07.03.22</a:t>
+              <a:t>12.03.22</a:t>
             </a:fld>
             <a:endParaRPr lang="en-CH"/>
           </a:p>
@@ -2096,7 +2096,7 @@
           <a:p>
             <a:fld id="{EC6E5FE0-F1B3-B24D-9F52-EFD498592B38}" type="datetimeFigureOut">
               <a:rPr lang="en-CH" smtClean="0"/>
-              <a:t>07.03.22</a:t>
+              <a:t>12.03.22</a:t>
             </a:fld>
             <a:endParaRPr lang="en-CH"/>
           </a:p>
@@ -2409,7 +2409,7 @@
           <a:p>
             <a:fld id="{EC6E5FE0-F1B3-B24D-9F52-EFD498592B38}" type="datetimeFigureOut">
               <a:rPr lang="en-CH" smtClean="0"/>
-              <a:t>07.03.22</a:t>
+              <a:t>12.03.22</a:t>
             </a:fld>
             <a:endParaRPr lang="en-CH"/>
           </a:p>
@@ -2698,7 +2698,7 @@
           <a:p>
             <a:fld id="{EC6E5FE0-F1B3-B24D-9F52-EFD498592B38}" type="datetimeFigureOut">
               <a:rPr lang="en-CH" smtClean="0"/>
-              <a:t>07.03.22</a:t>
+              <a:t>12.03.22</a:t>
             </a:fld>
             <a:endParaRPr lang="en-CH"/>
           </a:p>
@@ -2941,7 +2941,7 @@
           <a:p>
             <a:fld id="{EC6E5FE0-F1B3-B24D-9F52-EFD498592B38}" type="datetimeFigureOut">
               <a:rPr lang="en-CH" smtClean="0"/>
-              <a:t>07.03.22</a:t>
+              <a:t>12.03.22</a:t>
             </a:fld>
             <a:endParaRPr lang="en-CH"/>
           </a:p>
@@ -8474,6 +8474,180 @@
           </a:p>
         </p:txBody>
       </p:sp>
+      <p:sp>
+        <p:nvSpPr>
+          <p:cNvPr id="113" name="Rectangle 112">
+            <a:extLst>
+              <a:ext uri="{FF2B5EF4-FFF2-40B4-BE49-F238E27FC236}">
+                <a16:creationId xmlns:a16="http://schemas.microsoft.com/office/drawing/2014/main" id="{3028F963-C67C-844E-8B5E-76BB098A32C3}"/>
+              </a:ext>
+            </a:extLst>
+          </p:cNvPr>
+          <p:cNvSpPr/>
+          <p:nvPr/>
+        </p:nvSpPr>
+        <p:spPr>
+          <a:xfrm>
+            <a:off x="5214752" y="2744576"/>
+            <a:ext cx="3600000" cy="1800000"/>
+          </a:xfrm>
+          <a:prstGeom prst="rect">
+            <a:avLst/>
+          </a:prstGeom>
+          <a:solidFill>
+            <a:schemeClr val="bg1">
+              <a:lumMod val="85000"/>
+            </a:schemeClr>
+          </a:solidFill>
+          <a:ln w="3175"/>
+        </p:spPr>
+        <p:style>
+          <a:lnRef idx="2">
+            <a:schemeClr val="accent1">
+              <a:shade val="50000"/>
+            </a:schemeClr>
+          </a:lnRef>
+          <a:fillRef idx="1">
+            <a:schemeClr val="accent1"/>
+          </a:fillRef>
+          <a:effectRef idx="0">
+            <a:schemeClr val="accent1"/>
+          </a:effectRef>
+          <a:fontRef idx="minor">
+            <a:schemeClr val="lt1"/>
+          </a:fontRef>
+        </p:style>
+        <p:txBody>
+          <a:bodyPr rtlCol="0" anchor="ctr"/>
+          <a:lstStyle/>
+          <a:p>
+            <a:pPr algn="ctr"/>
+            <a:endParaRPr lang="en-CH" dirty="0"/>
+          </a:p>
+        </p:txBody>
+      </p:sp>
+      <p:sp>
+        <p:nvSpPr>
+          <p:cNvPr id="123" name="TextBox 122">
+            <a:extLst>
+              <a:ext uri="{FF2B5EF4-FFF2-40B4-BE49-F238E27FC236}">
+                <a16:creationId xmlns:a16="http://schemas.microsoft.com/office/drawing/2014/main" id="{E74D5C46-06D7-724B-95D8-3A688917ECE7}"/>
+              </a:ext>
+            </a:extLst>
+          </p:cNvPr>
+          <p:cNvSpPr txBox="1"/>
+          <p:nvPr/>
+        </p:nvSpPr>
+        <p:spPr>
+          <a:xfrm>
+            <a:off x="6334553" y="3967605"/>
+            <a:ext cx="184731" cy="369332"/>
+          </a:xfrm>
+          <a:prstGeom prst="rect">
+            <a:avLst/>
+          </a:prstGeom>
+          <a:noFill/>
+        </p:spPr>
+        <p:txBody>
+          <a:bodyPr wrap="none" rtlCol="0">
+            <a:spAutoFit/>
+          </a:bodyPr>
+          <a:lstStyle/>
+          <a:p>
+            <a:pPr algn="ctr"/>
+            <a:endParaRPr lang="en-CH" b="1" dirty="0">
+              <a:solidFill>
+                <a:schemeClr val="accent6">
+                  <a:lumMod val="75000"/>
+                </a:schemeClr>
+              </a:solidFill>
+            </a:endParaRPr>
+          </a:p>
+        </p:txBody>
+      </p:sp>
+      <p:sp>
+        <p:nvSpPr>
+          <p:cNvPr id="124" name="TextBox 123">
+            <a:extLst>
+              <a:ext uri="{FF2B5EF4-FFF2-40B4-BE49-F238E27FC236}">
+                <a16:creationId xmlns:a16="http://schemas.microsoft.com/office/drawing/2014/main" id="{EA1F41E6-2970-6A43-B0D6-2C56736DAE67}"/>
+              </a:ext>
+            </a:extLst>
+          </p:cNvPr>
+          <p:cNvSpPr txBox="1"/>
+          <p:nvPr/>
+        </p:nvSpPr>
+        <p:spPr>
+          <a:xfrm>
+            <a:off x="6334523" y="3603403"/>
+            <a:ext cx="184730" cy="461665"/>
+          </a:xfrm>
+          <a:prstGeom prst="rect">
+            <a:avLst/>
+          </a:prstGeom>
+          <a:noFill/>
+        </p:spPr>
+        <p:txBody>
+          <a:bodyPr wrap="none" rtlCol="0">
+            <a:spAutoFit/>
+          </a:bodyPr>
+          <a:lstStyle/>
+          <a:p>
+            <a:pPr algn="ctr"/>
+            <a:endParaRPr lang="en-CH" sz="2400" dirty="0">
+              <a:solidFill>
+                <a:srgbClr val="C00000"/>
+              </a:solidFill>
+            </a:endParaRPr>
+          </a:p>
+        </p:txBody>
+      </p:sp>
+      <p:sp>
+        <p:nvSpPr>
+          <p:cNvPr id="130" name="TextBox 129">
+            <a:extLst>
+              <a:ext uri="{FF2B5EF4-FFF2-40B4-BE49-F238E27FC236}">
+                <a16:creationId xmlns:a16="http://schemas.microsoft.com/office/drawing/2014/main" id="{E56A39A5-163F-A545-BCD7-CE039706A931}"/>
+              </a:ext>
+            </a:extLst>
+          </p:cNvPr>
+          <p:cNvSpPr txBox="1"/>
+          <p:nvPr/>
+        </p:nvSpPr>
+        <p:spPr>
+          <a:xfrm>
+            <a:off x="5543837" y="3290633"/>
+            <a:ext cx="2941831" cy="707886"/>
+          </a:xfrm>
+          <a:prstGeom prst="rect">
+            <a:avLst/>
+          </a:prstGeom>
+          <a:noFill/>
+        </p:spPr>
+        <p:txBody>
+          <a:bodyPr wrap="none" rtlCol="0">
+            <a:spAutoFit/>
+          </a:bodyPr>
+          <a:lstStyle/>
+          <a:p>
+            <a:r>
+              <a:rPr lang="en-CH" sz="4000" b="1" dirty="0">
+                <a:solidFill>
+                  <a:schemeClr val="bg1">
+                    <a:alpha val="74418"/>
+                  </a:schemeClr>
+                </a:solidFill>
+                <a:effectLst>
+                  <a:glow>
+                    <a:schemeClr val="bg1"/>
+                  </a:glow>
+                </a:effectLst>
+              </a:rPr>
+              <a:t>Coming soon</a:t>
+            </a:r>
+          </a:p>
+        </p:txBody>
+      </p:sp>
     </p:spTree>
     <p:extLst>
       <p:ext uri="{BB962C8B-B14F-4D97-AF65-F5344CB8AC3E}">
